--- a/docs/Planning Presentation.pptx
+++ b/docs/Planning Presentation.pptx
@@ -8621,8 +8621,13 @@
             </a:r>
             <a:r>
               <a:rPr lang="en-US" sz="2800" dirty="0" smtClean="0"/>
-              <a:t>based off future flight data</a:t>
-            </a:r>
+              <a:t>based off future flight </a:t>
+            </a:r>
+            <a:r>
+              <a:rPr lang="en-US" sz="2800" dirty="0" smtClean="0"/>
+              <a:t>data (within 3 min)</a:t>
+            </a:r>
+            <a:endParaRPr lang="en-US" sz="2800" dirty="0" smtClean="0"/>
           </a:p>
           <a:p>
             <a:pPr marL="742950" lvl="2" defTabSz="914400">
@@ -8662,8 +8667,13 @@
             </a:r>
             <a:r>
               <a:rPr lang="en-US" sz="2400" dirty="0"/>
-              <a:t>chance of  delay begin over X minutes</a:t>
-            </a:r>
+              <a:t>chance of  delay begin over X </a:t>
+            </a:r>
+            <a:r>
+              <a:rPr lang="en-US" sz="2400" dirty="0" smtClean="0"/>
+              <a:t>minutes</a:t>
+            </a:r>
+            <a:endParaRPr lang="en-US" sz="2400" dirty="0"/>
           </a:p>
           <a:p>
             <a:pPr defTabSz="914400">

--- a/docs/Planning Presentation.pptx
+++ b/docs/Planning Presentation.pptx
@@ -117,7 +117,18 @@
   </p:defaultTextStyle>
   <p:extLst>
     <p:ext uri="{EFAFB233-063F-42B5-8137-9DF3F51BA10A}">
-      <p15:sldGuideLst xmlns:p15="http://schemas.microsoft.com/office/powerpoint/2012/main"/>
+      <p15:sldGuideLst xmlns:p15="http://schemas.microsoft.com/office/powerpoint/2012/main">
+        <p15:guide id="1" orient="horz" pos="2160">
+          <p15:clr>
+            <a:srgbClr val="A4A3A4"/>
+          </p15:clr>
+        </p15:guide>
+        <p15:guide id="2" pos="3840">
+          <p15:clr>
+            <a:srgbClr val="A4A3A4"/>
+          </p15:clr>
+        </p15:guide>
+      </p15:sldGuideLst>
     </p:ext>
   </p:extLst>
 </p:presentation>
@@ -205,7 +216,8 @@
           <a:p>
             <a:fld id="{1F12D4F5-706A-4244-8F57-7F87949DB6F7}" type="datetimeFigureOut">
               <a:rPr lang="en-US" smtClean="0"/>
-              <a:t>3/17/17</a:t>
+              <a:pPr/>
+              <a:t>3/24/17</a:t>
             </a:fld>
             <a:endParaRPr lang="en-US"/>
           </a:p>
@@ -364,6 +376,7 @@
           <a:p>
             <a:fld id="{F5A16AE9-27E0-434C-87F7-B6924EBCA098}" type="slidenum">
               <a:rPr lang="en-US" smtClean="0"/>
+              <a:pPr/>
               <a:t>‹#›</a:t>
             </a:fld>
             <a:endParaRPr lang="en-US"/>
@@ -1019,6 +1032,7 @@
           <a:p>
             <a:fld id="{F5A16AE9-27E0-434C-87F7-B6924EBCA098}" type="slidenum">
               <a:rPr lang="en-US" smtClean="0"/>
+              <a:pPr/>
               <a:t>4</a:t>
             </a:fld>
             <a:endParaRPr lang="en-US"/>
@@ -1103,6 +1117,7 @@
           <a:p>
             <a:fld id="{F5A16AE9-27E0-434C-87F7-B6924EBCA098}" type="slidenum">
               <a:rPr lang="en-US" smtClean="0"/>
+              <a:pPr/>
               <a:t>8</a:t>
             </a:fld>
             <a:endParaRPr lang="en-US"/>
@@ -1624,7 +1639,8 @@
           <a:p>
             <a:fld id="{D4E700DB-6592-4C73-B81F-E9923D63CB7A}" type="datetimeFigureOut">
               <a:rPr lang="en-US" smtClean="0"/>
-              <a:t>3/17/17</a:t>
+              <a:pPr/>
+              <a:t>3/24/17</a:t>
             </a:fld>
             <a:endParaRPr lang="en-US"/>
           </a:p>
@@ -1671,6 +1687,7 @@
           <a:p>
             <a:fld id="{504C9CCB-5FDE-4C44-8E3A-41479D5C6858}" type="slidenum">
               <a:rPr lang="en-US" smtClean="0"/>
+              <a:pPr/>
               <a:t>‹#›</a:t>
             </a:fld>
             <a:endParaRPr lang="en-US"/>
@@ -1920,7 +1937,8 @@
           <a:p>
             <a:fld id="{D4E700DB-6592-4C73-B81F-E9923D63CB7A}" type="datetimeFigureOut">
               <a:rPr lang="en-US" smtClean="0"/>
-              <a:t>3/17/17</a:t>
+              <a:pPr/>
+              <a:t>3/24/17</a:t>
             </a:fld>
             <a:endParaRPr lang="en-US"/>
           </a:p>
@@ -1962,6 +1980,7 @@
           <a:p>
             <a:fld id="{504C9CCB-5FDE-4C44-8E3A-41479D5C6858}" type="slidenum">
               <a:rPr lang="en-US" smtClean="0"/>
+              <a:pPr/>
               <a:t>‹#›</a:t>
             </a:fld>
             <a:endParaRPr lang="en-US"/>
@@ -2168,7 +2187,8 @@
           <a:p>
             <a:fld id="{D4E700DB-6592-4C73-B81F-E9923D63CB7A}" type="datetimeFigureOut">
               <a:rPr lang="en-US" smtClean="0"/>
-              <a:t>3/17/17</a:t>
+              <a:pPr/>
+              <a:t>3/24/17</a:t>
             </a:fld>
             <a:endParaRPr lang="en-US"/>
           </a:p>
@@ -2210,6 +2230,7 @@
           <a:p>
             <a:fld id="{504C9CCB-5FDE-4C44-8E3A-41479D5C6858}" type="slidenum">
               <a:rPr lang="en-US" smtClean="0"/>
+              <a:pPr/>
               <a:t>‹#›</a:t>
             </a:fld>
             <a:endParaRPr lang="en-US"/>
@@ -2708,7 +2729,8 @@
           <a:p>
             <a:fld id="{D4E700DB-6592-4C73-B81F-E9923D63CB7A}" type="datetimeFigureOut">
               <a:rPr lang="en-US" smtClean="0"/>
-              <a:t>3/17/17</a:t>
+              <a:pPr/>
+              <a:t>3/24/17</a:t>
             </a:fld>
             <a:endParaRPr lang="en-US"/>
           </a:p>
@@ -2750,6 +2772,7 @@
           <a:p>
             <a:fld id="{504C9CCB-5FDE-4C44-8E3A-41479D5C6858}" type="slidenum">
               <a:rPr lang="en-US" smtClean="0"/>
+              <a:pPr/>
               <a:t>‹#›</a:t>
             </a:fld>
             <a:endParaRPr lang="en-US"/>
@@ -2956,7 +2979,8 @@
           <a:p>
             <a:fld id="{D4E700DB-6592-4C73-B81F-E9923D63CB7A}" type="datetimeFigureOut">
               <a:rPr lang="en-US" smtClean="0"/>
-              <a:t>3/17/17</a:t>
+              <a:pPr/>
+              <a:t>3/24/17</a:t>
             </a:fld>
             <a:endParaRPr lang="en-US"/>
           </a:p>
@@ -2998,6 +3022,7 @@
           <a:p>
             <a:fld id="{504C9CCB-5FDE-4C44-8E3A-41479D5C6858}" type="slidenum">
               <a:rPr lang="en-US" smtClean="0"/>
+              <a:pPr/>
               <a:t>‹#›</a:t>
             </a:fld>
             <a:endParaRPr lang="en-US"/>
@@ -3488,7 +3513,8 @@
           <a:p>
             <a:fld id="{D4E700DB-6592-4C73-B81F-E9923D63CB7A}" type="datetimeFigureOut">
               <a:rPr lang="en-US" smtClean="0"/>
-              <a:t>3/17/17</a:t>
+              <a:pPr/>
+              <a:t>3/24/17</a:t>
             </a:fld>
             <a:endParaRPr lang="en-US"/>
           </a:p>
@@ -3530,6 +3556,7 @@
           <a:p>
             <a:fld id="{504C9CCB-5FDE-4C44-8E3A-41479D5C6858}" type="slidenum">
               <a:rPr lang="en-US" smtClean="0"/>
+              <a:pPr/>
               <a:t>‹#›</a:t>
             </a:fld>
             <a:endParaRPr lang="en-US"/>
@@ -3785,7 +3812,8 @@
           <a:p>
             <a:fld id="{D4E700DB-6592-4C73-B81F-E9923D63CB7A}" type="datetimeFigureOut">
               <a:rPr lang="en-US" smtClean="0"/>
-              <a:t>3/17/17</a:t>
+              <a:pPr/>
+              <a:t>3/24/17</a:t>
             </a:fld>
             <a:endParaRPr lang="en-US"/>
           </a:p>
@@ -3827,6 +3855,7 @@
           <a:p>
             <a:fld id="{504C9CCB-5FDE-4C44-8E3A-41479D5C6858}" type="slidenum">
               <a:rPr lang="en-US" smtClean="0"/>
+              <a:pPr/>
               <a:t>‹#›</a:t>
             </a:fld>
             <a:endParaRPr lang="en-US"/>
@@ -3959,7 +3988,8 @@
           <a:p>
             <a:fld id="{D4E700DB-6592-4C73-B81F-E9923D63CB7A}" type="datetimeFigureOut">
               <a:rPr lang="en-US" smtClean="0"/>
-              <a:t>3/17/17</a:t>
+              <a:pPr/>
+              <a:t>3/24/17</a:t>
             </a:fld>
             <a:endParaRPr lang="en-US"/>
           </a:p>
@@ -4001,6 +4031,7 @@
           <a:p>
             <a:fld id="{504C9CCB-5FDE-4C44-8E3A-41479D5C6858}" type="slidenum">
               <a:rPr lang="en-US" smtClean="0"/>
+              <a:pPr/>
               <a:t>‹#›</a:t>
             </a:fld>
             <a:endParaRPr lang="en-US"/>
@@ -4139,7 +4170,8 @@
           <a:p>
             <a:fld id="{D4E700DB-6592-4C73-B81F-E9923D63CB7A}" type="datetimeFigureOut">
               <a:rPr lang="en-US" smtClean="0"/>
-              <a:t>3/17/17</a:t>
+              <a:pPr/>
+              <a:t>3/24/17</a:t>
             </a:fld>
             <a:endParaRPr lang="en-US"/>
           </a:p>
@@ -4181,6 +4213,7 @@
           <a:p>
             <a:fld id="{504C9CCB-5FDE-4C44-8E3A-41479D5C6858}" type="slidenum">
               <a:rPr lang="en-US" smtClean="0"/>
+              <a:pPr/>
               <a:t>‹#›</a:t>
             </a:fld>
             <a:endParaRPr lang="en-US"/>
@@ -4309,7 +4342,8 @@
           <a:p>
             <a:fld id="{D4E700DB-6592-4C73-B81F-E9923D63CB7A}" type="datetimeFigureOut">
               <a:rPr lang="en-US" smtClean="0"/>
-              <a:t>3/17/17</a:t>
+              <a:pPr/>
+              <a:t>3/24/17</a:t>
             </a:fld>
             <a:endParaRPr lang="en-US"/>
           </a:p>
@@ -4356,6 +4390,7 @@
           <a:p>
             <a:fld id="{504C9CCB-5FDE-4C44-8E3A-41479D5C6858}" type="slidenum">
               <a:rPr lang="en-US" smtClean="0"/>
+              <a:pPr/>
               <a:t>‹#›</a:t>
             </a:fld>
             <a:endParaRPr lang="en-US"/>
@@ -4560,7 +4595,8 @@
           <a:p>
             <a:fld id="{D4E700DB-6592-4C73-B81F-E9923D63CB7A}" type="datetimeFigureOut">
               <a:rPr lang="en-US" smtClean="0"/>
-              <a:t>3/17/17</a:t>
+              <a:pPr/>
+              <a:t>3/24/17</a:t>
             </a:fld>
             <a:endParaRPr lang="en-US"/>
           </a:p>
@@ -4602,6 +4638,7 @@
           <a:p>
             <a:fld id="{504C9CCB-5FDE-4C44-8E3A-41479D5C6858}" type="slidenum">
               <a:rPr lang="en-US" smtClean="0"/>
+              <a:pPr/>
               <a:t>‹#›</a:t>
             </a:fld>
             <a:endParaRPr lang="en-US"/>
@@ -4857,7 +4894,8 @@
           <a:p>
             <a:fld id="{D4E700DB-6592-4C73-B81F-E9923D63CB7A}" type="datetimeFigureOut">
               <a:rPr lang="en-US" smtClean="0"/>
-              <a:t>3/17/17</a:t>
+              <a:pPr/>
+              <a:t>3/24/17</a:t>
             </a:fld>
             <a:endParaRPr lang="en-US"/>
           </a:p>
@@ -4899,6 +4937,7 @@
           <a:p>
             <a:fld id="{504C9CCB-5FDE-4C44-8E3A-41479D5C6858}" type="slidenum">
               <a:rPr lang="en-US" smtClean="0"/>
+              <a:pPr/>
               <a:t>‹#›</a:t>
             </a:fld>
             <a:endParaRPr lang="en-US"/>
@@ -5299,7 +5338,8 @@
           <a:p>
             <a:fld id="{D4E700DB-6592-4C73-B81F-E9923D63CB7A}" type="datetimeFigureOut">
               <a:rPr lang="en-US" smtClean="0"/>
-              <a:t>3/17/17</a:t>
+              <a:pPr/>
+              <a:t>3/24/17</a:t>
             </a:fld>
             <a:endParaRPr lang="en-US"/>
           </a:p>
@@ -5341,6 +5381,7 @@
           <a:p>
             <a:fld id="{504C9CCB-5FDE-4C44-8E3A-41479D5C6858}" type="slidenum">
               <a:rPr lang="en-US" smtClean="0"/>
+              <a:pPr/>
               <a:t>‹#›</a:t>
             </a:fld>
             <a:endParaRPr lang="en-US"/>
@@ -5417,7 +5458,8 @@
           <a:p>
             <a:fld id="{D4E700DB-6592-4C73-B81F-E9923D63CB7A}" type="datetimeFigureOut">
               <a:rPr lang="en-US" smtClean="0"/>
-              <a:t>3/17/17</a:t>
+              <a:pPr/>
+              <a:t>3/24/17</a:t>
             </a:fld>
             <a:endParaRPr lang="en-US"/>
           </a:p>
@@ -5459,6 +5501,7 @@
           <a:p>
             <a:fld id="{504C9CCB-5FDE-4C44-8E3A-41479D5C6858}" type="slidenum">
               <a:rPr lang="en-US" smtClean="0"/>
+              <a:pPr/>
               <a:t>‹#›</a:t>
             </a:fld>
             <a:endParaRPr lang="en-US"/>
@@ -5512,7 +5555,8 @@
           <a:p>
             <a:fld id="{D4E700DB-6592-4C73-B81F-E9923D63CB7A}" type="datetimeFigureOut">
               <a:rPr lang="en-US" smtClean="0"/>
-              <a:t>3/17/17</a:t>
+              <a:pPr/>
+              <a:t>3/24/17</a:t>
             </a:fld>
             <a:endParaRPr lang="en-US"/>
           </a:p>
@@ -5554,6 +5598,7 @@
           <a:p>
             <a:fld id="{504C9CCB-5FDE-4C44-8E3A-41479D5C6858}" type="slidenum">
               <a:rPr lang="en-US" smtClean="0"/>
+              <a:pPr/>
               <a:t>‹#›</a:t>
             </a:fld>
             <a:endParaRPr lang="en-US"/>
@@ -5795,7 +5840,8 @@
           <a:p>
             <a:fld id="{D4E700DB-6592-4C73-B81F-E9923D63CB7A}" type="datetimeFigureOut">
               <a:rPr lang="en-US" smtClean="0"/>
-              <a:t>3/17/17</a:t>
+              <a:pPr/>
+              <a:t>3/24/17</a:t>
             </a:fld>
             <a:endParaRPr lang="en-US"/>
           </a:p>
@@ -5837,6 +5883,7 @@
           <a:p>
             <a:fld id="{504C9CCB-5FDE-4C44-8E3A-41479D5C6858}" type="slidenum">
               <a:rPr lang="en-US" smtClean="0"/>
+              <a:pPr/>
               <a:t>‹#›</a:t>
             </a:fld>
             <a:endParaRPr lang="en-US"/>
@@ -6086,7 +6133,8 @@
           <a:p>
             <a:fld id="{D4E700DB-6592-4C73-B81F-E9923D63CB7A}" type="datetimeFigureOut">
               <a:rPr lang="en-US" smtClean="0"/>
-              <a:t>3/17/17</a:t>
+              <a:pPr/>
+              <a:t>3/24/17</a:t>
             </a:fld>
             <a:endParaRPr lang="en-US"/>
           </a:p>
@@ -6128,6 +6176,7 @@
           <a:p>
             <a:fld id="{504C9CCB-5FDE-4C44-8E3A-41479D5C6858}" type="slidenum">
               <a:rPr lang="en-US" smtClean="0"/>
+              <a:pPr/>
               <a:t>‹#›</a:t>
             </a:fld>
             <a:endParaRPr lang="en-US"/>
@@ -6616,7 +6665,8 @@
           <a:p>
             <a:fld id="{D4E700DB-6592-4C73-B81F-E9923D63CB7A}" type="datetimeFigureOut">
               <a:rPr lang="en-US" smtClean="0"/>
-              <a:t>3/17/17</a:t>
+              <a:pPr/>
+              <a:t>3/24/17</a:t>
             </a:fld>
             <a:endParaRPr lang="en-US"/>
           </a:p>
@@ -6694,6 +6744,7 @@
           <a:p>
             <a:fld id="{504C9CCB-5FDE-4C44-8E3A-41479D5C6858}" type="slidenum">
               <a:rPr lang="en-US" smtClean="0"/>
+              <a:pPr/>
               <a:t>‹#›</a:t>
             </a:fld>
             <a:endParaRPr lang="en-US"/>
@@ -7407,7 +7458,13 @@
           <a:p>
             <a:r>
               <a:rPr lang="en-US" dirty="0" smtClean="0"/>
-              <a:t>Prediction delays in future flights </a:t>
+              <a:t>User will input flight information and will receive % chance of delayed and % chance of cancellation </a:t>
+            </a:r>
+          </a:p>
+          <a:p>
+            <a:r>
+              <a:rPr lang="en-US" dirty="0" smtClean="0"/>
+              <a:t>Prediction delays in future flights and its secondary use cases </a:t>
             </a:r>
           </a:p>
           <a:p>
@@ -7429,12 +7486,6 @@
             <a:r>
               <a:rPr lang="en-US" dirty="0" smtClean="0"/>
               <a:t>It will help the airlines to make dynamic roster of flight crew</a:t>
-            </a:r>
-          </a:p>
-          <a:p>
-            <a:r>
-              <a:rPr lang="en-US" dirty="0" smtClean="0"/>
-              <a:t>User will input flight information and will receive % chance of delayed and % chance of cancellation </a:t>
             </a:r>
           </a:p>
         </p:txBody>
@@ -7701,7 +7752,7 @@
         <p:spPr>
           <a:xfrm>
             <a:off x="1484311" y="1899556"/>
-            <a:ext cx="10018713" cy="3124201"/>
+            <a:ext cx="10018713" cy="3472544"/>
           </a:xfrm>
         </p:spPr>
         <p:txBody>
@@ -7730,8 +7781,13 @@
             <a:pPr lvl="1"/>
             <a:r>
               <a:rPr lang="en-US" dirty="0" smtClean="0"/>
-              <a:t>This data is for the years 1987 to 2008 and amounts to roughly 12GB</a:t>
-            </a:r>
+              <a:t>This data is for the years 1987 to 2008 and amounts to roughly </a:t>
+            </a:r>
+            <a:r>
+              <a:rPr lang="en-US" dirty="0" smtClean="0"/>
+              <a:t>12GB (49 million records)</a:t>
+            </a:r>
+            <a:endParaRPr lang="en-US" dirty="0" smtClean="0"/>
           </a:p>
           <a:p>
             <a:r>
@@ -8613,6 +8669,31 @@
             </a:pPr>
             <a:r>
               <a:rPr lang="en-US" sz="2800" dirty="0" smtClean="0"/>
+              <a:t>Split a data Set  and calculate the Percentage accuracy of the </a:t>
+            </a:r>
+            <a:r>
+              <a:rPr lang="en-US" sz="2800" dirty="0" err="1" smtClean="0"/>
+              <a:t>prdictive</a:t>
+            </a:r>
+            <a:r>
+              <a:rPr lang="en-US" sz="2800" smtClean="0"/>
+              <a:t> model</a:t>
+            </a:r>
+            <a:endParaRPr lang="en-US" sz="2800" dirty="0" smtClean="0"/>
+          </a:p>
+          <a:p>
+            <a:pPr marL="285750" lvl="1" defTabSz="914400">
+              <a:spcBef>
+                <a:spcPts val="0"/>
+              </a:spcBef>
+              <a:spcAft>
+                <a:spcPts val="0"/>
+              </a:spcAft>
+              <a:buClrTx/>
+              <a:buSzTx/>
+            </a:pPr>
+            <a:r>
+              <a:rPr lang="en-US" sz="2800" dirty="0" smtClean="0"/>
               <a:t>Create model </a:t>
             </a:r>
             <a:r>
@@ -8621,13 +8702,8 @@
             </a:r>
             <a:r>
               <a:rPr lang="en-US" sz="2800" dirty="0" smtClean="0"/>
-              <a:t>based off future flight </a:t>
-            </a:r>
-            <a:r>
-              <a:rPr lang="en-US" sz="2800" dirty="0" smtClean="0"/>
-              <a:t>data (within 3 min)</a:t>
-            </a:r>
-            <a:endParaRPr lang="en-US" sz="2800" dirty="0" smtClean="0"/>
+              <a:t>based off future flight data</a:t>
+            </a:r>
           </a:p>
           <a:p>
             <a:pPr marL="742950" lvl="2" defTabSz="914400">
@@ -8667,13 +8743,8 @@
             </a:r>
             <a:r>
               <a:rPr lang="en-US" sz="2400" dirty="0"/>
-              <a:t>chance of  delay begin over X </a:t>
-            </a:r>
-            <a:r>
-              <a:rPr lang="en-US" sz="2400" dirty="0" smtClean="0"/>
-              <a:t>minutes</a:t>
-            </a:r>
-            <a:endParaRPr lang="en-US" sz="2400" dirty="0"/>
+              <a:t>chance of  delay begin over X minutes</a:t>
+            </a:r>
           </a:p>
           <a:p>
             <a:pPr defTabSz="914400">
@@ -8813,7 +8884,7 @@
     </a:clrScheme>
     <a:fontScheme name="Parallax">
       <a:majorFont>
-        <a:latin typeface="Corbel" panose="020B0503020204020204"/>
+        <a:latin typeface="Corbel"/>
         <a:ea typeface=""/>
         <a:cs typeface=""/>
         <a:font script="Jpan" typeface="HGｺﾞｼｯｸM"/>
@@ -8848,7 +8919,7 @@
         <a:font script="Geor" typeface="Sylfaen"/>
       </a:majorFont>
       <a:minorFont>
-        <a:latin typeface="Corbel" panose="020B0503020204020204"/>
+        <a:latin typeface="Corbel"/>
         <a:ea typeface=""/>
         <a:cs typeface=""/>
         <a:font script="Jpan" typeface="HGｺﾞｼｯｸM"/>
@@ -9069,7 +9140,7 @@
     </a:clrScheme>
     <a:fontScheme name="Office">
       <a:majorFont>
-        <a:latin typeface="Calibri Light" panose="020F0302020204030204"/>
+        <a:latin typeface="Calibri Light"/>
         <a:ea typeface=""/>
         <a:cs typeface=""/>
         <a:font script="Jpan" typeface="Yu Gothic Light"/>
@@ -9104,7 +9175,7 @@
         <a:font script="Geor" typeface="Sylfaen"/>
       </a:majorFont>
       <a:minorFont>
-        <a:latin typeface="Calibri" panose="020F0502020204030204"/>
+        <a:latin typeface="Calibri"/>
         <a:ea typeface=""/>
         <a:cs typeface=""/>
         <a:font script="Jpan" typeface="Yu Gothic"/>

--- a/docs/Planning Presentation.pptx
+++ b/docs/Planning Presentation.pptx
@@ -7781,13 +7781,8 @@
             <a:pPr lvl="1"/>
             <a:r>
               <a:rPr lang="en-US" dirty="0" smtClean="0"/>
-              <a:t>This data is for the years 1987 to 2008 and amounts to roughly </a:t>
-            </a:r>
-            <a:r>
-              <a:rPr lang="en-US" dirty="0" smtClean="0"/>
-              <a:t>12GB (49 million records)</a:t>
-            </a:r>
-            <a:endParaRPr lang="en-US" dirty="0" smtClean="0"/>
+              <a:t>This data is for the years 1987 to 2008 and amounts to roughly 12GB (49 million records)</a:t>
+            </a:r>
           </a:p>
           <a:p>
             <a:r>
@@ -7886,7 +7881,7 @@
             <p:ph idx="1"/>
             <p:extLst>
               <p:ext uri="{D42A27DB-BD31-4B8C-83A1-F6EECF244321}">
-                <p14:modId xmlns:p14="http://schemas.microsoft.com/office/powerpoint/2010/main" val="215795880"/>
+                <p14:modId xmlns:p14="http://schemas.microsoft.com/office/powerpoint/2010/main" val="455092987"/>
               </p:ext>
             </p:extLst>
           </p:nvPr>
@@ -8117,7 +8112,15 @@
                     <a:p>
                       <a:r>
                         <a:rPr lang="en-US" dirty="0" smtClean="0"/>
-                        <a:t>Daniel </a:t>
+                        <a:t>Sai</a:t>
+                      </a:r>
+                      <a:r>
+                        <a:rPr lang="en-US" baseline="0" dirty="0" smtClean="0"/>
+                        <a:t> + </a:t>
+                      </a:r>
+                      <a:r>
+                        <a:rPr lang="en-US" baseline="0" dirty="0" err="1" smtClean="0"/>
+                        <a:t>Ajinkya</a:t>
                       </a:r>
                       <a:endParaRPr lang="en-US" dirty="0"/>
                     </a:p>
@@ -8172,12 +8175,8 @@
                     <a:lstStyle/>
                     <a:p>
                       <a:r>
-                        <a:rPr lang="en-US" dirty="0" err="1" smtClean="0"/>
-                        <a:t>Ajinkya</a:t>
-                      </a:r>
-                      <a:r>
                         <a:rPr lang="en-US" dirty="0" smtClean="0"/>
-                        <a:t> </a:t>
+                        <a:t>Daniel</a:t>
                       </a:r>
                       <a:endParaRPr lang="en-US" dirty="0"/>
                     </a:p>
@@ -8225,7 +8224,7 @@
                     <a:p>
                       <a:r>
                         <a:rPr lang="en-US" dirty="0" smtClean="0"/>
-                        <a:t>Daniel </a:t>
+                        <a:t>Sai</a:t>
                       </a:r>
                       <a:endParaRPr lang="en-US" dirty="0"/>
                     </a:p>
@@ -8291,8 +8290,8 @@
                     <a:lstStyle/>
                     <a:p>
                       <a:r>
-                        <a:rPr lang="en-US" dirty="0" smtClean="0"/>
-                        <a:t>Sai</a:t>
+                        <a:rPr lang="en-US" dirty="0" err="1" smtClean="0"/>
+                        <a:t>Ajinkya</a:t>
                       </a:r>
                       <a:endParaRPr lang="en-US" dirty="0"/>
                     </a:p>
@@ -8382,6 +8381,10 @@
                     <a:bodyPr/>
                     <a:lstStyle/>
                     <a:p>
+                      <a:r>
+                        <a:rPr lang="en-US" dirty="0" smtClean="0"/>
+                        <a:t>All</a:t>
+                      </a:r>
                       <a:endParaRPr lang="en-US" dirty="0"/>
                     </a:p>
                   </a:txBody>
